--- a/Lessons/dynoNet.pptx
+++ b/Lessons/dynoNet.pptx
@@ -5,7 +5,7 @@
     <p:sldMasterId id="2147483648" r:id="rId1"/>
   </p:sldMasterIdLst>
   <p:notesMasterIdLst>
-    <p:notesMasterId r:id="rId14"/>
+    <p:notesMasterId r:id="rId15"/>
   </p:notesMasterIdLst>
   <p:sldIdLst>
     <p:sldId id="266" r:id="rId2"/>
@@ -20,6 +20,7 @@
     <p:sldId id="6344" r:id="rId11"/>
     <p:sldId id="526" r:id="rId12"/>
     <p:sldId id="543" r:id="rId13"/>
+    <p:sldId id="6345" r:id="rId14"/>
   </p:sldIdLst>
   <p:sldSz cx="12192000" cy="6858000"/>
   <p:notesSz cx="6858000" cy="9144000"/>
@@ -208,7 +209,7 @@
           <a:p>
             <a:fld id="{99D4630A-6D3B-4C97-A7DC-509EB0048625}" type="datetimeFigureOut">
               <a:rPr lang="it-CH" smtClean="0"/>
-              <a:t>08.04.2024</a:t>
+              <a:t>18.04.2024</a:t>
             </a:fld>
             <a:endParaRPr lang="it-CH"/>
           </a:p>
@@ -779,6 +780,107 @@
 </p:notes>
 </file>
 
+<file path=ppt/notesSlides/notesSlide12.xml><?xml version="1.0" encoding="utf-8"?>
+<p:notes xmlns:a="http://schemas.openxmlformats.org/drawingml/2006/main" xmlns:r="http://schemas.openxmlformats.org/officeDocument/2006/relationships" xmlns:p="http://schemas.openxmlformats.org/presentationml/2006/main">
+  <p:cSld>
+    <p:spTree>
+      <p:nvGrpSpPr>
+        <p:cNvPr id="1" name=""/>
+        <p:cNvGrpSpPr/>
+        <p:nvPr/>
+      </p:nvGrpSpPr>
+      <p:grpSpPr>
+        <a:xfrm>
+          <a:off x="0" y="0"/>
+          <a:ext cx="0" cy="0"/>
+          <a:chOff x="0" y="0"/>
+          <a:chExt cx="0" cy="0"/>
+        </a:xfrm>
+      </p:grpSpPr>
+      <p:sp>
+        <p:nvSpPr>
+          <p:cNvPr id="2" name="Segnaposto immagine diapositiva 1"/>
+          <p:cNvSpPr>
+            <a:spLocks noGrp="1" noRot="1" noChangeAspect="1"/>
+          </p:cNvSpPr>
+          <p:nvPr>
+            <p:ph type="sldImg"/>
+          </p:nvPr>
+        </p:nvSpPr>
+        <p:spPr/>
+      </p:sp>
+      <p:sp>
+        <p:nvSpPr>
+          <p:cNvPr id="3" name="Segnaposto note 2"/>
+          <p:cNvSpPr>
+            <a:spLocks noGrp="1"/>
+          </p:cNvSpPr>
+          <p:nvPr>
+            <p:ph type="body" idx="1"/>
+          </p:nvPr>
+        </p:nvSpPr>
+        <p:spPr/>
+        <p:txBody>
+          <a:bodyPr/>
+          <a:lstStyle/>
+          <a:p>
+            <a:pPr marL="0" marR="0" lvl="0" indent="0" algn="l" defTabSz="914400" rtl="0" eaLnBrk="1" fontAlgn="auto" latinLnBrk="0" hangingPunct="1">
+              <a:lnSpc>
+                <a:spcPct val="100000"/>
+              </a:lnSpc>
+              <a:spcBef>
+                <a:spcPts val="0"/>
+              </a:spcBef>
+              <a:spcAft>
+                <a:spcPts val="0"/>
+              </a:spcAft>
+              <a:buClrTx/>
+              <a:buSzTx/>
+              <a:buFontTx/>
+              <a:buNone/>
+              <a:tabLst/>
+              <a:defRPr/>
+            </a:pPr>
+            <a:endParaRPr lang="it-CH" dirty="0"/>
+          </a:p>
+        </p:txBody>
+      </p:sp>
+      <p:sp>
+        <p:nvSpPr>
+          <p:cNvPr id="4" name="Segnaposto numero diapositiva 3"/>
+          <p:cNvSpPr>
+            <a:spLocks noGrp="1"/>
+          </p:cNvSpPr>
+          <p:nvPr>
+            <p:ph type="sldNum" sz="quarter" idx="5"/>
+          </p:nvPr>
+        </p:nvSpPr>
+        <p:spPr/>
+        <p:txBody>
+          <a:bodyPr/>
+          <a:lstStyle/>
+          <a:p>
+            <a:fld id="{B6A6F0FA-31D0-AB4D-9BAD-FF9E467B93C7}" type="slidenum">
+              <a:rPr lang="it-CH" smtClean="0"/>
+              <a:t>13</a:t>
+            </a:fld>
+            <a:endParaRPr lang="it-CH"/>
+          </a:p>
+        </p:txBody>
+      </p:sp>
+    </p:spTree>
+    <p:extLst>
+      <p:ext uri="{BB962C8B-B14F-4D97-AF65-F5344CB8AC3E}">
+        <p14:creationId xmlns:p14="http://schemas.microsoft.com/office/powerpoint/2010/main" val="1432399533"/>
+      </p:ext>
+    </p:extLst>
+  </p:cSld>
+  <p:clrMapOvr>
+    <a:masterClrMapping/>
+  </p:clrMapOvr>
+</p:notes>
+</file>
+
 <file path=ppt/notesSlides/notesSlide2.xml><?xml version="1.0" encoding="utf-8"?>
 <p:notes xmlns:a="http://schemas.openxmlformats.org/drawingml/2006/main" xmlns:r="http://schemas.openxmlformats.org/officeDocument/2006/relationships" xmlns:p="http://schemas.openxmlformats.org/presentationml/2006/main">
   <p:cSld>
@@ -1808,7 +1910,7 @@
           <a:p>
             <a:fld id="{2A147C38-CC24-4E9D-9FE1-BE5105214113}" type="datetimeFigureOut">
               <a:rPr lang="it-CH" smtClean="0"/>
-              <a:t>08.04.2024</a:t>
+              <a:t>18.04.2024</a:t>
             </a:fld>
             <a:endParaRPr lang="it-CH"/>
           </a:p>
@@ -2008,7 +2110,7 @@
           <a:p>
             <a:fld id="{2A147C38-CC24-4E9D-9FE1-BE5105214113}" type="datetimeFigureOut">
               <a:rPr lang="it-CH" smtClean="0"/>
-              <a:t>08.04.2024</a:t>
+              <a:t>18.04.2024</a:t>
             </a:fld>
             <a:endParaRPr lang="it-CH"/>
           </a:p>
@@ -2218,7 +2320,7 @@
           <a:p>
             <a:fld id="{2A147C38-CC24-4E9D-9FE1-BE5105214113}" type="datetimeFigureOut">
               <a:rPr lang="it-CH" smtClean="0"/>
-              <a:t>08.04.2024</a:t>
+              <a:t>18.04.2024</a:t>
             </a:fld>
             <a:endParaRPr lang="it-CH"/>
           </a:p>
@@ -2541,7 +2643,7 @@
           <a:p>
             <a:fld id="{2A147C38-CC24-4E9D-9FE1-BE5105214113}" type="datetimeFigureOut">
               <a:rPr lang="it-CH" smtClean="0"/>
-              <a:t>08.04.2024</a:t>
+              <a:t>18.04.2024</a:t>
             </a:fld>
             <a:endParaRPr lang="it-CH"/>
           </a:p>
@@ -2817,7 +2919,7 @@
           <a:p>
             <a:fld id="{2A147C38-CC24-4E9D-9FE1-BE5105214113}" type="datetimeFigureOut">
               <a:rPr lang="it-CH" smtClean="0"/>
-              <a:t>08.04.2024</a:t>
+              <a:t>18.04.2024</a:t>
             </a:fld>
             <a:endParaRPr lang="it-CH"/>
           </a:p>
@@ -3085,7 +3187,7 @@
           <a:p>
             <a:fld id="{2A147C38-CC24-4E9D-9FE1-BE5105214113}" type="datetimeFigureOut">
               <a:rPr lang="it-CH" smtClean="0"/>
-              <a:t>08.04.2024</a:t>
+              <a:t>18.04.2024</a:t>
             </a:fld>
             <a:endParaRPr lang="it-CH"/>
           </a:p>
@@ -3500,7 +3602,7 @@
           <a:p>
             <a:fld id="{2A147C38-CC24-4E9D-9FE1-BE5105214113}" type="datetimeFigureOut">
               <a:rPr lang="it-CH" smtClean="0"/>
-              <a:t>08.04.2024</a:t>
+              <a:t>18.04.2024</a:t>
             </a:fld>
             <a:endParaRPr lang="it-CH"/>
           </a:p>
@@ -3642,7 +3744,7 @@
           <a:p>
             <a:fld id="{2A147C38-CC24-4E9D-9FE1-BE5105214113}" type="datetimeFigureOut">
               <a:rPr lang="it-CH" smtClean="0"/>
-              <a:t>08.04.2024</a:t>
+              <a:t>18.04.2024</a:t>
             </a:fld>
             <a:endParaRPr lang="it-CH"/>
           </a:p>
@@ -3755,7 +3857,7 @@
           <a:p>
             <a:fld id="{2A147C38-CC24-4E9D-9FE1-BE5105214113}" type="datetimeFigureOut">
               <a:rPr lang="it-CH" smtClean="0"/>
-              <a:t>08.04.2024</a:t>
+              <a:t>18.04.2024</a:t>
             </a:fld>
             <a:endParaRPr lang="it-CH"/>
           </a:p>
@@ -4068,7 +4170,7 @@
           <a:p>
             <a:fld id="{2A147C38-CC24-4E9D-9FE1-BE5105214113}" type="datetimeFigureOut">
               <a:rPr lang="it-CH" smtClean="0"/>
-              <a:t>08.04.2024</a:t>
+              <a:t>18.04.2024</a:t>
             </a:fld>
             <a:endParaRPr lang="it-CH"/>
           </a:p>
@@ -4357,7 +4459,7 @@
           <a:p>
             <a:fld id="{2A147C38-CC24-4E9D-9FE1-BE5105214113}" type="datetimeFigureOut">
               <a:rPr lang="it-CH" smtClean="0"/>
-              <a:t>08.04.2024</a:t>
+              <a:t>18.04.2024</a:t>
             </a:fld>
             <a:endParaRPr lang="it-CH"/>
           </a:p>
@@ -4600,7 +4702,7 @@
           <a:p>
             <a:fld id="{2A147C38-CC24-4E9D-9FE1-BE5105214113}" type="datetimeFigureOut">
               <a:rPr lang="it-CH" smtClean="0"/>
-              <a:t>08.04.2024</a:t>
+              <a:t>18.04.2024</a:t>
             </a:fld>
             <a:endParaRPr lang="it-CH"/>
           </a:p>
@@ -7852,6 +7954,254 @@
               <a:t>dynoNet</a:t>
             </a:r>
             <a:r>
+              <a:rPr lang="it-IT" sz="3600" i="1" dirty="0">
+                <a:solidFill>
+                  <a:schemeClr val="accent1"/>
+                </a:solidFill>
+              </a:rPr>
+              <a:t> in </a:t>
+            </a:r>
+            <a:r>
+              <a:rPr lang="it-IT" sz="3600" i="1" dirty="0" err="1">
+                <a:solidFill>
+                  <a:schemeClr val="accent1"/>
+                </a:solidFill>
+              </a:rPr>
+              <a:t>TorchAudio</a:t>
+            </a:r>
+            <a:endParaRPr lang="it-IT" sz="3600" dirty="0">
+              <a:solidFill>
+                <a:schemeClr val="accent1"/>
+              </a:solidFill>
+            </a:endParaRPr>
+          </a:p>
+        </p:txBody>
+      </p:sp>
+      <p:cxnSp>
+        <p:nvCxnSpPr>
+          <p:cNvPr id="19" name="Connettore 2 18">
+            <a:extLst>
+              <a:ext uri="{FF2B5EF4-FFF2-40B4-BE49-F238E27FC236}">
+                <a16:creationId xmlns:a16="http://schemas.microsoft.com/office/drawing/2014/main" id="{A988E337-B88E-98BA-1A78-0E337BFDEFA5}"/>
+              </a:ext>
+            </a:extLst>
+          </p:cNvPr>
+          <p:cNvCxnSpPr/>
+          <p:nvPr/>
+        </p:nvCxnSpPr>
+        <p:spPr>
+          <a:xfrm flipV="1">
+            <a:off x="0" y="6610350"/>
+            <a:ext cx="12192000" cy="0"/>
+          </a:xfrm>
+          <a:prstGeom prst="straightConnector1">
+            <a:avLst/>
+          </a:prstGeom>
+          <a:ln>
+            <a:solidFill>
+              <a:schemeClr val="accent1">
+                <a:lumMod val="50000"/>
+              </a:schemeClr>
+            </a:solidFill>
+          </a:ln>
+        </p:spPr>
+        <p:style>
+          <a:lnRef idx="1">
+            <a:schemeClr val="accent1"/>
+          </a:lnRef>
+          <a:fillRef idx="0">
+            <a:schemeClr val="accent1"/>
+          </a:fillRef>
+          <a:effectRef idx="0">
+            <a:schemeClr val="accent1"/>
+          </a:effectRef>
+          <a:fontRef idx="minor">
+            <a:schemeClr val="tx1"/>
+          </a:fontRef>
+        </p:style>
+      </p:cxnSp>
+      <p:pic>
+        <p:nvPicPr>
+          <p:cNvPr id="13" name="Immagine 12">
+            <a:extLst>
+              <a:ext uri="{FF2B5EF4-FFF2-40B4-BE49-F238E27FC236}">
+                <a16:creationId xmlns:a16="http://schemas.microsoft.com/office/drawing/2014/main" id="{A00A3ADA-F73F-9F68-CCFD-7E50C12A463C}"/>
+              </a:ext>
+            </a:extLst>
+          </p:cNvPr>
+          <p:cNvPicPr>
+            <a:picLocks noChangeAspect="1"/>
+          </p:cNvPicPr>
+          <p:nvPr/>
+        </p:nvPicPr>
+        <p:blipFill>
+          <a:blip r:embed="rId3"/>
+          <a:stretch>
+            <a:fillRect/>
+          </a:stretch>
+        </p:blipFill>
+        <p:spPr>
+          <a:xfrm>
+            <a:off x="376237" y="961847"/>
+            <a:ext cx="10429875" cy="5248275"/>
+          </a:xfrm>
+          <a:prstGeom prst="rect">
+            <a:avLst/>
+          </a:prstGeom>
+        </p:spPr>
+      </p:pic>
+      <p:pic>
+        <p:nvPicPr>
+          <p:cNvPr id="17" name="Immagine 16">
+            <a:extLst>
+              <a:ext uri="{FF2B5EF4-FFF2-40B4-BE49-F238E27FC236}">
+                <a16:creationId xmlns:a16="http://schemas.microsoft.com/office/drawing/2014/main" id="{BB9B0D9B-0468-0BCE-CF19-BABC36C9B77D}"/>
+              </a:ext>
+            </a:extLst>
+          </p:cNvPr>
+          <p:cNvPicPr>
+            <a:picLocks noChangeAspect="1"/>
+          </p:cNvPicPr>
+          <p:nvPr/>
+        </p:nvPicPr>
+        <p:blipFill>
+          <a:blip r:embed="rId4"/>
+          <a:stretch>
+            <a:fillRect/>
+          </a:stretch>
+        </p:blipFill>
+        <p:spPr>
+          <a:xfrm>
+            <a:off x="6596063" y="1609528"/>
+            <a:ext cx="5548312" cy="1038422"/>
+          </a:xfrm>
+          <a:prstGeom prst="rect">
+            <a:avLst/>
+          </a:prstGeom>
+        </p:spPr>
+      </p:pic>
+    </p:spTree>
+    <p:extLst>
+      <p:ext uri="{BB962C8B-B14F-4D97-AF65-F5344CB8AC3E}">
+        <p14:creationId xmlns:p14="http://schemas.microsoft.com/office/powerpoint/2010/main" val="2873325147"/>
+      </p:ext>
+    </p:extLst>
+  </p:cSld>
+  <p:clrMapOvr>
+    <a:masterClrMapping/>
+  </p:clrMapOvr>
+</p:sld>
+</file>
+
+<file path=ppt/slides/slide13.xml><?xml version="1.0" encoding="utf-8"?>
+<p:sld xmlns:a="http://schemas.openxmlformats.org/drawingml/2006/main" xmlns:r="http://schemas.openxmlformats.org/officeDocument/2006/relationships" xmlns:p="http://schemas.openxmlformats.org/presentationml/2006/main">
+  <p:cSld>
+    <p:spTree>
+      <p:nvGrpSpPr>
+        <p:cNvPr id="1" name=""/>
+        <p:cNvGrpSpPr/>
+        <p:nvPr/>
+      </p:nvGrpSpPr>
+      <p:grpSpPr>
+        <a:xfrm>
+          <a:off x="0" y="0"/>
+          <a:ext cx="0" cy="0"/>
+          <a:chOff x="0" y="0"/>
+          <a:chExt cx="0" cy="0"/>
+        </a:xfrm>
+      </p:grpSpPr>
+      <p:sp>
+        <p:nvSpPr>
+          <p:cNvPr id="15" name="Rettangolo 14">
+            <a:extLst>
+              <a:ext uri="{FF2B5EF4-FFF2-40B4-BE49-F238E27FC236}">
+                <a16:creationId xmlns:a16="http://schemas.microsoft.com/office/drawing/2014/main" id="{7E5E5FE8-2860-6D76-9470-7E03FE4923A6}"/>
+              </a:ext>
+            </a:extLst>
+          </p:cNvPr>
+          <p:cNvSpPr/>
+          <p:nvPr/>
+        </p:nvSpPr>
+        <p:spPr>
+          <a:xfrm flipV="1">
+            <a:off x="154112" y="647878"/>
+            <a:ext cx="12037888" cy="45719"/>
+          </a:xfrm>
+          <a:prstGeom prst="rect">
+            <a:avLst/>
+          </a:prstGeom>
+          <a:solidFill>
+            <a:srgbClr val="C00000"/>
+          </a:solidFill>
+          <a:ln>
+            <a:noFill/>
+          </a:ln>
+        </p:spPr>
+        <p:style>
+          <a:lnRef idx="2">
+            <a:schemeClr val="accent1">
+              <a:shade val="50000"/>
+            </a:schemeClr>
+          </a:lnRef>
+          <a:fillRef idx="1">
+            <a:schemeClr val="accent1"/>
+          </a:fillRef>
+          <a:effectRef idx="0">
+            <a:schemeClr val="accent1"/>
+          </a:effectRef>
+          <a:fontRef idx="minor">
+            <a:schemeClr val="lt1"/>
+          </a:fontRef>
+        </p:style>
+        <p:txBody>
+          <a:bodyPr rtlCol="0" anchor="ctr"/>
+          <a:lstStyle/>
+          <a:p>
+            <a:pPr algn="ctr"/>
+            <a:endParaRPr lang="it-IT"/>
+          </a:p>
+        </p:txBody>
+      </p:sp>
+      <p:sp>
+        <p:nvSpPr>
+          <p:cNvPr id="16" name="CasellaDiTesto 15">
+            <a:extLst>
+              <a:ext uri="{FF2B5EF4-FFF2-40B4-BE49-F238E27FC236}">
+                <a16:creationId xmlns:a16="http://schemas.microsoft.com/office/drawing/2014/main" id="{63BC4BDE-F8A7-3844-2FCB-744B4713D010}"/>
+              </a:ext>
+            </a:extLst>
+          </p:cNvPr>
+          <p:cNvSpPr txBox="1"/>
+          <p:nvPr/>
+        </p:nvSpPr>
+        <p:spPr>
+          <a:xfrm>
+            <a:off x="246581" y="-8806"/>
+            <a:ext cx="11743362" cy="646331"/>
+          </a:xfrm>
+          <a:prstGeom prst="rect">
+            <a:avLst/>
+          </a:prstGeom>
+          <a:noFill/>
+        </p:spPr>
+        <p:txBody>
+          <a:bodyPr rot="0" spcFirstLastPara="0" vertOverflow="overflow" horzOverflow="overflow" vert="horz" wrap="square" lIns="91440" tIns="45720" rIns="91440" bIns="45720" numCol="1" spcCol="0" rtlCol="0" fromWordArt="0" anchor="t" anchorCtr="0" forceAA="0" compatLnSpc="1">
+            <a:prstTxWarp prst="textNoShape">
+              <a:avLst/>
+            </a:prstTxWarp>
+            <a:spAutoFit/>
+          </a:bodyPr>
+          <a:lstStyle/>
+          <a:p>
+            <a:r>
+              <a:rPr lang="it-IT" sz="3600" i="1" dirty="0" err="1">
+                <a:solidFill>
+                  <a:schemeClr val="accent1"/>
+                </a:solidFill>
+              </a:rPr>
+              <a:t>dynoNet</a:t>
+            </a:r>
+            <a:r>
               <a:rPr lang="it-IT" sz="3600" dirty="0">
                 <a:solidFill>
                   <a:schemeClr val="accent1"/>
@@ -8365,7 +8715,7 @@
     </p:spTree>
     <p:extLst>
       <p:ext uri="{BB962C8B-B14F-4D97-AF65-F5344CB8AC3E}">
-        <p14:creationId xmlns:p14="http://schemas.microsoft.com/office/powerpoint/2010/main" val="2873325147"/>
+        <p14:creationId xmlns:p14="http://schemas.microsoft.com/office/powerpoint/2010/main" val="556861762"/>
       </p:ext>
     </p:extLst>
   </p:cSld>
@@ -14387,10 +14737,10 @@
       </p:sp>
       <p:grpSp>
         <p:nvGrpSpPr>
-          <p:cNvPr id="2" name="Gruppo 1">
-            <a:extLst>
-              <a:ext uri="{FF2B5EF4-FFF2-40B4-BE49-F238E27FC236}">
-                <a16:creationId xmlns:a16="http://schemas.microsoft.com/office/drawing/2014/main" id="{E51E3BA7-C501-4000-A177-A91B47479235}"/>
+          <p:cNvPr id="24" name="Gruppo 23">
+            <a:extLst>
+              <a:ext uri="{FF2B5EF4-FFF2-40B4-BE49-F238E27FC236}">
+                <a16:creationId xmlns:a16="http://schemas.microsoft.com/office/drawing/2014/main" id="{FBFE3899-DEF3-1751-29FE-2B9D0F168514}"/>
               </a:ext>
             </a:extLst>
           </p:cNvPr>
@@ -14399,18 +14749,18 @@
         </p:nvGrpSpPr>
         <p:grpSpPr>
           <a:xfrm>
-            <a:off x="10032778" y="2698419"/>
-            <a:ext cx="1660300" cy="2153337"/>
-            <a:chOff x="10072899" y="3949284"/>
-            <a:chExt cx="2086769" cy="2571466"/>
+            <a:off x="10063218" y="2698420"/>
+            <a:ext cx="1543470" cy="2153336"/>
+            <a:chOff x="10063218" y="2698420"/>
+            <a:chExt cx="1543470" cy="2153336"/>
           </a:xfrm>
         </p:grpSpPr>
         <p:pic>
           <p:nvPicPr>
-            <p:cNvPr id="3" name="Immagine 2" descr="\documentclass{article}&#10;\usepackage{amsmath}&#10;\usepackage{xcolor}&#10;\pagestyle{empty}&#10;\usepackage{bm}&#10;\newcommand{\pmeas}{{\bf p}}&#10;\newcommand{\umeas}{{\bf u}}&#10;\newcommand{\ymeas}{{\bf y}}&#10;\newcommand{\yo}{{\bf y}^{\rm o} }&#10;&#10;\newcommand{\nin}{n_u} &#10;\newcommand{\ny}{n_y} &#10;\newcommand{\nx}{n_x} &#10;\newcommand{\np}{n_p} &#10;\begin{document}&#10;\begin{align*}&#10;\frac{\partial \mathcal{L}}{\partial \bf{y}_t}&#10;\end{align*}&#10;&#10;&#10;&#10;&#10;\end{document}" title="IguanaTex Bitmap Display">
+            <p:cNvPr id="10" name="Immagine 9" descr="\documentclass{article}&#10;\usepackage{amsmath}&#10;\usepackage{xcolor}&#10;\pagestyle{empty}&#10;\usepackage{bm}&#10;\newcommand{\pmeas}{{\bf p}}&#10;\newcommand{\umeas}{{\bf u}}&#10;\newcommand{\ymeas}{{\bf y}}&#10;\newcommand{\yo}{{\bf y}^{\rm o} }&#10;&#10;\newcommand{\nin}{n_u} &#10;\newcommand{\ny}{n_y} &#10;\newcommand{\nx}{n_x} &#10;\newcommand{\np}{n_p} &#10;\begin{document}&#10;\begin{align*}&#10;\frac{\partial \mathcal{L}}{\partial \bf{y}}&#10;\end{align*}&#10;&#10;&#10;&#10;&#10;\end{document}" title="IguanaTex Bitmap Display">
               <a:extLst>
                 <a:ext uri="{FF2B5EF4-FFF2-40B4-BE49-F238E27FC236}">
-                  <a16:creationId xmlns:a16="http://schemas.microsoft.com/office/drawing/2014/main" id="{4130489C-2B99-F163-ADFF-21D4A2806A54}"/>
+                  <a16:creationId xmlns:a16="http://schemas.microsoft.com/office/drawing/2014/main" id="{289DB8FF-98C5-4A55-9867-48082F9D77BC}"/>
                 </a:ext>
               </a:extLst>
             </p:cNvPr>
@@ -14437,8 +14787,8 @@
           </p:blipFill>
           <p:spPr>
             <a:xfrm>
-              <a:off x="11614296" y="4875944"/>
-              <a:ext cx="545372" cy="777333"/>
+              <a:off x="11259163" y="3474401"/>
+              <a:ext cx="347525" cy="650936"/>
             </a:xfrm>
             <a:prstGeom prst="rect">
               <a:avLst/>
@@ -14447,10 +14797,10 @@
         </p:pic>
         <p:pic>
           <p:nvPicPr>
-            <p:cNvPr id="4" name="Immagine 3" descr="\documentclass{article}&#10;\usepackage{amsmath}&#10;\usepackage{xcolor}&#10;\pagestyle{empty}&#10;\usepackage{bm}&#10;\newcommand{\pmeas}{{\bf p}}&#10;\newcommand{\umeas}{{\bf u}}&#10;\newcommand{\ymeas}{{\bf y}}&#10;\newcommand{\yo}{{\bf y}^{\rm o} }&#10;&#10;\newcommand{\nin}{n_u} &#10;\newcommand{\ny}{n_y} &#10;\newcommand{\nx}{n_x} &#10;\newcommand{\np}{n_p} &#10;\begin{document}&#10;\begin{align*}&#10;\frac{\partial \mathcal{L}}{\partial \bf{u}_t}&#10;\end{align*}&#10;&#10;&#10;&#10;&#10;\end{document}" title="IguanaTex Bitmap Display">
+            <p:cNvPr id="23" name="Immagine 22" descr="\documentclass{article}&#10;\usepackage{amsmath}&#10;\usepackage{xcolor}&#10;\pagestyle{empty}&#10;\usepackage{bm}&#10;\newcommand{\pmeas}{{\bf p}}&#10;\newcommand{\umeas}{{\bf u}}&#10;\newcommand{\ymeas}{{\bf y}}&#10;\newcommand{\yo}{{\bf y}^{\rm o} }&#10;&#10;\newcommand{\nin}{n_u} &#10;\newcommand{\ny}{n_y} &#10;\newcommand{\nx}{n_x} &#10;\newcommand{\np}{n_p} &#10;\begin{document}&#10;\begin{align*}&#10;\frac{\partial \mathcal{L}}{\partial \bf{u}}&#10;\end{align*}&#10;&#10;&#10;&#10;&#10;\end{document}" title="IguanaTex Bitmap Display">
               <a:extLst>
                 <a:ext uri="{FF2B5EF4-FFF2-40B4-BE49-F238E27FC236}">
-                  <a16:creationId xmlns:a16="http://schemas.microsoft.com/office/drawing/2014/main" id="{37C2E34E-4BBE-63F1-F90F-8E6D400309B5}"/>
+                  <a16:creationId xmlns:a16="http://schemas.microsoft.com/office/drawing/2014/main" id="{3115386F-5947-CEC8-1CCB-6729FE099416}"/>
                 </a:ext>
               </a:extLst>
             </p:cNvPr>
@@ -14477,8 +14827,8 @@
           </p:blipFill>
           <p:spPr>
             <a:xfrm>
-              <a:off x="10072899" y="3949284"/>
-              <a:ext cx="556477" cy="762527"/>
+              <a:off x="10099453" y="2698420"/>
+              <a:ext cx="347525" cy="600308"/>
             </a:xfrm>
             <a:prstGeom prst="rect">
               <a:avLst/>
@@ -14517,8 +14867,8 @@
           </p:blipFill>
           <p:spPr>
             <a:xfrm>
-              <a:off x="10149099" y="4877431"/>
-              <a:ext cx="436791" cy="716874"/>
+              <a:off x="10093405" y="3475646"/>
+              <a:ext cx="347525" cy="600308"/>
             </a:xfrm>
             <a:prstGeom prst="rect">
               <a:avLst/>
@@ -14557,8 +14907,8 @@
           </p:blipFill>
           <p:spPr>
             <a:xfrm>
-              <a:off x="10111158" y="5803876"/>
-              <a:ext cx="436791" cy="716874"/>
+              <a:off x="10063218" y="4251448"/>
+              <a:ext cx="347525" cy="600308"/>
             </a:xfrm>
             <a:prstGeom prst="rect">
               <a:avLst/>
@@ -14581,8 +14931,8 @@
           </p:nvCxnSpPr>
           <p:spPr>
             <a:xfrm flipH="1">
-              <a:off x="10834179" y="5629998"/>
-              <a:ext cx="700576" cy="480601"/>
+              <a:off x="10638477" y="4105843"/>
+              <a:ext cx="557401" cy="402454"/>
             </a:xfrm>
             <a:prstGeom prst="straightConnector1">
               <a:avLst/>
@@ -14622,8 +14972,8 @@
           </p:nvCxnSpPr>
           <p:spPr>
             <a:xfrm flipH="1" flipV="1">
-              <a:off x="10834180" y="4416589"/>
-              <a:ext cx="708182" cy="502543"/>
+              <a:off x="10638477" y="3089739"/>
+              <a:ext cx="563452" cy="420828"/>
             </a:xfrm>
             <a:prstGeom prst="straightConnector1">
               <a:avLst/>
@@ -14663,8 +15013,8 @@
           </p:nvCxnSpPr>
           <p:spPr>
             <a:xfrm flipH="1">
-              <a:off x="10798266" y="5253236"/>
-              <a:ext cx="708183" cy="0"/>
+              <a:off x="10609903" y="3790344"/>
+              <a:ext cx="563453" cy="0"/>
             </a:xfrm>
             <a:prstGeom prst="straightConnector1">
               <a:avLst/>
@@ -18652,10 +19002,10 @@
 <p:tagLst xmlns:a="http://schemas.openxmlformats.org/drawingml/2006/main" xmlns:r="http://schemas.openxmlformats.org/officeDocument/2006/relationships" xmlns:p="http://schemas.openxmlformats.org/presentationml/2006/main">
   <p:tag name="OUTPUTDPI" val="2000"/>
   <p:tag name="ORIGINALHEIGHT" val="472.4409"/>
-  <p:tag name="ORIGINALWIDTH" val="331.4586"/>
-  <p:tag name="LATEXADDIN" val="\documentclass{article}&#10;\usepackage{amsmath}&#10;\usepackage{xcolor}&#10;\pagestyle{empty}&#10;\usepackage{bm}&#10;\newcommand{\pmeas}{{\bf p}}&#10;\newcommand{\umeas}{{\bf u}}&#10;\newcommand{\ymeas}{{\bf y}}&#10;\newcommand{\yo}{{\bf y}^{\rm o} }&#10;&#10;\newcommand{\nin}{n_u} &#10;\newcommand{\ny}{n_y} &#10;\newcommand{\nx}{n_x} &#10;\newcommand{\np}{n_p} &#10;\begin{document}&#10;\begin{align*}&#10;\frac{\partial \mathcal{L}}{\partial \bf{y}_t}&#10;\end{align*}&#10;&#10;&#10;&#10;&#10;\end{document}"/>
+  <p:tag name="ORIGINALWIDTH" val="265.4669"/>
+  <p:tag name="LATEXADDIN" val="\documentclass{article}&#10;\usepackage{amsmath}&#10;\usepackage{xcolor}&#10;\pagestyle{empty}&#10;\usepackage{bm}&#10;\newcommand{\pmeas}{{\bf p}}&#10;\newcommand{\umeas}{{\bf u}}&#10;\newcommand{\ymeas}{{\bf y}}&#10;\newcommand{\yo}{{\bf y}^{\rm o} }&#10;&#10;\newcommand{\nin}{n_u} &#10;\newcommand{\ny}{n_y} &#10;\newcommand{\nx}{n_x} &#10;\newcommand{\np}{n_p} &#10;\begin{document}&#10;\begin{align*}&#10;\frac{\partial \mathcal{L}}{\partial \bf{y}}&#10;\end{align*}&#10;&#10;&#10;&#10;&#10;\end{document}"/>
   <p:tag name="IGUANATEXSIZE" val="24"/>
-  <p:tag name="IGUANATEXCURSOR" val="372"/>
+  <p:tag name="IGUANATEXCURSOR" val="390"/>
   <p:tag name="TRANSPARENCY" val="Vero"/>
   <p:tag name="LATEXENGINEID" val="0"/>
   <p:tag name="TEMPFOLDER" val="\\supsi.ch\DTI\HOME\dario.piga\Desktop\Testppt\temp\"/>
@@ -18669,11 +19019,11 @@
 <file path=ppt/tags/tag34.xml><?xml version="1.0" encoding="utf-8"?>
 <p:tagLst xmlns:a="http://schemas.openxmlformats.org/drawingml/2006/main" xmlns:r="http://schemas.openxmlformats.org/officeDocument/2006/relationships" xmlns:p="http://schemas.openxmlformats.org/presentationml/2006/main">
   <p:tag name="OUTPUTDPI" val="2000"/>
-  <p:tag name="ORIGINALHEIGHT" val="463.442"/>
-  <p:tag name="ORIGINALWIDTH" val="338.2077"/>
-  <p:tag name="LATEXADDIN" val="\documentclass{article}&#10;\usepackage{amsmath}&#10;\usepackage{xcolor}&#10;\pagestyle{empty}&#10;\usepackage{bm}&#10;\newcommand{\pmeas}{{\bf p}}&#10;\newcommand{\umeas}{{\bf u}}&#10;\newcommand{\ymeas}{{\bf y}}&#10;\newcommand{\yo}{{\bf y}^{\rm o} }&#10;&#10;\newcommand{\nin}{n_u} &#10;\newcommand{\ny}{n_y} &#10;\newcommand{\nx}{n_x} &#10;\newcommand{\np}{n_p} &#10;\begin{document}&#10;\begin{align*}&#10;\frac{\partial \mathcal{L}}{\partial \bf{u}_t}&#10;\end{align*}&#10;&#10;&#10;&#10;&#10;\end{document}"/>
+  <p:tag name="ORIGINALHEIGHT" val="435.6955"/>
+  <p:tag name="ORIGINALWIDTH" val="265.4669"/>
+  <p:tag name="LATEXADDIN" val="\documentclass{article}&#10;\usepackage{amsmath}&#10;\usepackage{xcolor}&#10;\pagestyle{empty}&#10;\usepackage{bm}&#10;\newcommand{\pmeas}{{\bf p}}&#10;\newcommand{\umeas}{{\bf u}}&#10;\newcommand{\ymeas}{{\bf y}}&#10;\newcommand{\yo}{{\bf y}^{\rm o} }&#10;&#10;\newcommand{\nin}{n_u} &#10;\newcommand{\ny}{n_y} &#10;\newcommand{\nx}{n_x} &#10;\newcommand{\np}{n_p} &#10;\begin{document}&#10;\begin{align*}&#10;\frac{\partial \mathcal{L}}{\partial \bf{u}}&#10;\end{align*}&#10;&#10;&#10;&#10;&#10;\end{document}"/>
   <p:tag name="IGUANATEXSIZE" val="24"/>
-  <p:tag name="IGUANATEXCURSOR" val="389"/>
+  <p:tag name="IGUANATEXCURSOR" val="390"/>
   <p:tag name="TRANSPARENCY" val="Vero"/>
   <p:tag name="LATEXENGINEID" val="0"/>
   <p:tag name="TEMPFOLDER" val="\\supsi.ch\DTI\HOME\dario.piga\Desktop\Testppt\temp\"/>
